--- a/angularjs/slides/08_UI.pptx
+++ b/angularjs/slides/08_UI.pptx
@@ -5,14 +5,24 @@
     <p:sldMasterId id="2147483772" r:id="rId1"/>
   </p:sldMasterIdLst>
   <p:notesMasterIdLst>
-    <p:notesMasterId r:id="rId4"/>
+    <p:notesMasterId r:id="rId14"/>
   </p:notesMasterIdLst>
   <p:handoutMasterIdLst>
-    <p:handoutMasterId r:id="rId5"/>
+    <p:handoutMasterId r:id="rId15"/>
   </p:handoutMasterIdLst>
   <p:sldIdLst>
     <p:sldId id="327" r:id="rId2"/>
-    <p:sldId id="345" r:id="rId3"/>
+    <p:sldId id="346" r:id="rId3"/>
+    <p:sldId id="347" r:id="rId4"/>
+    <p:sldId id="348" r:id="rId5"/>
+    <p:sldId id="349" r:id="rId6"/>
+    <p:sldId id="351" r:id="rId7"/>
+    <p:sldId id="350" r:id="rId8"/>
+    <p:sldId id="352" r:id="rId9"/>
+    <p:sldId id="353" r:id="rId10"/>
+    <p:sldId id="354" r:id="rId11"/>
+    <p:sldId id="355" r:id="rId12"/>
+    <p:sldId id="345" r:id="rId13"/>
   </p:sldIdLst>
   <p:sldSz cx="9144000" cy="6858000" type="screen4x3"/>
   <p:notesSz cx="7302500" cy="9588500"/>
@@ -265,7 +275,7 @@
               <a:pPr>
                 <a:defRPr/>
               </a:pPr>
-              <a:t>11/24/2013</a:t>
+              <a:t>11/30/2013</a:t>
             </a:fld>
             <a:endParaRPr lang="en-US"/>
           </a:p>
@@ -2430,7 +2440,6 @@
               <a:rPr lang="en-US" dirty="0" smtClean="0"/>
               <a:t>Animations and UI</a:t>
             </a:r>
-            <a:endParaRPr lang="en-US" dirty="0" smtClean="0"/>
           </a:p>
         </p:txBody>
       </p:sp>
@@ -2451,18 +2460,21 @@
           <a:p>
             <a:pPr defTabSz="914400" eaLnBrk="1" hangingPunct="1"/>
             <a:r>
-              <a:rPr lang="en-US" dirty="0" err="1"/>
-              <a:t>n</a:t>
-            </a:r>
-            <a:r>
               <a:rPr lang="en-US" dirty="0" err="1" smtClean="0"/>
-              <a:t>g</a:t>
+              <a:t>ng</a:t>
+            </a:r>
+            <a:r>
+              <a:rPr lang="en-US" dirty="0" err="1" smtClean="0"/>
+              <a:t>Animate</a:t>
             </a:r>
             <a:r>
               <a:rPr lang="en-US" dirty="0" smtClean="0"/>
-              <a:t>-app + Bootstrap</a:t>
-            </a:r>
-            <a:endParaRPr lang="en-US" dirty="0" smtClean="0"/>
+              <a:t> </a:t>
+            </a:r>
+            <a:r>
+              <a:rPr lang="en-US" dirty="0" smtClean="0"/>
+              <a:t>+ Bootstrap</a:t>
+            </a:r>
           </a:p>
         </p:txBody>
       </p:sp>
@@ -2525,7 +2537,7 @@
 </p:sld>
 </file>
 
-<file path=ppt/slides/slide2.xml><?xml version="1.0" encoding="utf-8"?>
+<file path=ppt/slides/slide10.xml><?xml version="1.0" encoding="utf-8"?>
 <p:sld xmlns:a="http://schemas.openxmlformats.org/drawingml/2006/main" xmlns:r="http://schemas.openxmlformats.org/officeDocument/2006/relationships" xmlns:p="http://schemas.openxmlformats.org/presentationml/2006/main">
   <p:cSld>
     <p:spTree>
@@ -2559,7 +2571,7 @@
           <a:p>
             <a:r>
               <a:rPr lang="en-US" dirty="0" smtClean="0"/>
-              <a:t>Summary</a:t>
+              <a:t>Alert</a:t>
             </a:r>
             <a:endParaRPr lang="en-US" dirty="0"/>
           </a:p>
@@ -2580,6 +2592,464 @@
           <a:bodyPr/>
           <a:lstStyle/>
           <a:p>
+            <a:r>
+              <a:rPr lang="en-US" dirty="0">
+                <a:hlinkClick r:id="rId2"/>
+              </a:rPr>
+              <a:t>http://plnkr.co/edit/H1ogebRPirOAAPQ4kQFe?p=preview</a:t>
+            </a:r>
+            <a:endParaRPr lang="en-US" dirty="0"/>
+          </a:p>
+        </p:txBody>
+      </p:sp>
+      <p:pic>
+        <p:nvPicPr>
+          <p:cNvPr id="4" name="Picture 3"/>
+          <p:cNvPicPr>
+            <a:picLocks noChangeAspect="1"/>
+          </p:cNvPicPr>
+          <p:nvPr/>
+        </p:nvPicPr>
+        <p:blipFill>
+          <a:blip r:embed="rId3"/>
+          <a:stretch>
+            <a:fillRect/>
+          </a:stretch>
+        </p:blipFill>
+        <p:spPr>
+          <a:xfrm>
+            <a:off x="2262187" y="3157537"/>
+            <a:ext cx="4619625" cy="542925"/>
+          </a:xfrm>
+          <a:prstGeom prst="rect">
+            <a:avLst/>
+          </a:prstGeom>
+        </p:spPr>
+      </p:pic>
+    </p:spTree>
+    <p:extLst>
+      <p:ext uri="{BB962C8B-B14F-4D97-AF65-F5344CB8AC3E}">
+        <p14:creationId xmlns:p14="http://schemas.microsoft.com/office/powerpoint/2010/main" val="1058459203"/>
+      </p:ext>
+    </p:extLst>
+  </p:cSld>
+  <p:clrMapOvr>
+    <a:masterClrMapping/>
+  </p:clrMapOvr>
+  <p:transition>
+    <p:fade/>
+  </p:transition>
+</p:sld>
+</file>
+
+<file path=ppt/slides/slide11.xml><?xml version="1.0" encoding="utf-8"?>
+<p:sld xmlns:a="http://schemas.openxmlformats.org/drawingml/2006/main" xmlns:r="http://schemas.openxmlformats.org/officeDocument/2006/relationships" xmlns:p="http://schemas.openxmlformats.org/presentationml/2006/main">
+  <p:cSld>
+    <p:spTree>
+      <p:nvGrpSpPr>
+        <p:cNvPr id="1" name=""/>
+        <p:cNvGrpSpPr/>
+        <p:nvPr/>
+      </p:nvGrpSpPr>
+      <p:grpSpPr>
+        <a:xfrm>
+          <a:off x="0" y="0"/>
+          <a:ext cx="0" cy="0"/>
+          <a:chOff x="0" y="0"/>
+          <a:chExt cx="0" cy="0"/>
+        </a:xfrm>
+      </p:grpSpPr>
+      <p:sp>
+        <p:nvSpPr>
+          <p:cNvPr id="2" name="Title 1"/>
+          <p:cNvSpPr>
+            <a:spLocks noGrp="1"/>
+          </p:cNvSpPr>
+          <p:nvPr>
+            <p:ph type="title"/>
+          </p:nvPr>
+        </p:nvSpPr>
+        <p:spPr/>
+        <p:txBody>
+          <a:bodyPr/>
+          <a:lstStyle/>
+          <a:p>
+            <a:r>
+              <a:rPr lang="en-US" dirty="0" smtClean="0"/>
+              <a:t>And More</a:t>
+            </a:r>
+            <a:endParaRPr lang="en-US" dirty="0"/>
+          </a:p>
+        </p:txBody>
+      </p:sp>
+      <p:sp>
+        <p:nvSpPr>
+          <p:cNvPr id="3" name="Text Placeholder 2"/>
+          <p:cNvSpPr>
+            <a:spLocks noGrp="1"/>
+          </p:cNvSpPr>
+          <p:nvPr>
+            <p:ph type="body" idx="1"/>
+          </p:nvPr>
+        </p:nvSpPr>
+        <p:spPr/>
+        <p:txBody>
+          <a:bodyPr/>
+          <a:lstStyle/>
+          <a:p>
+            <a:r>
+              <a:rPr lang="en-US" dirty="0" smtClean="0"/>
+              <a:t>Buttons </a:t>
+            </a:r>
+            <a:r>
+              <a:rPr lang="en-US" dirty="0">
+                <a:hlinkClick r:id="rId2"/>
+              </a:rPr>
+              <a:t>http://</a:t>
+            </a:r>
+            <a:r>
+              <a:rPr lang="en-US" dirty="0" smtClean="0">
+                <a:hlinkClick r:id="rId2"/>
+              </a:rPr>
+              <a:t>plnkr.co/edit/JZAIWh438XruPUSP6WxC?p=preview</a:t>
+            </a:r>
+            <a:endParaRPr lang="en-US" dirty="0" smtClean="0"/>
+          </a:p>
+          <a:p>
+            <a:r>
+              <a:rPr lang="en-US" dirty="0" smtClean="0"/>
+              <a:t>Carousel </a:t>
+            </a:r>
+            <a:r>
+              <a:rPr lang="en-US" dirty="0">
+                <a:hlinkClick r:id="rId3"/>
+              </a:rPr>
+              <a:t>http://</a:t>
+            </a:r>
+            <a:r>
+              <a:rPr lang="en-US" dirty="0" smtClean="0">
+                <a:hlinkClick r:id="rId3"/>
+              </a:rPr>
+              <a:t>plnkr.co/edit/tScdZdYzoG8ENUKiIwOA?p=preview</a:t>
+            </a:r>
+            <a:endParaRPr lang="en-US" dirty="0" smtClean="0"/>
+          </a:p>
+          <a:p>
+            <a:r>
+              <a:rPr lang="en-US" dirty="0" smtClean="0"/>
+              <a:t>Collapse </a:t>
+            </a:r>
+            <a:r>
+              <a:rPr lang="en-US" dirty="0">
+                <a:hlinkClick r:id="rId4"/>
+              </a:rPr>
+              <a:t>http://</a:t>
+            </a:r>
+            <a:r>
+              <a:rPr lang="en-US" dirty="0" smtClean="0">
+                <a:hlinkClick r:id="rId4"/>
+              </a:rPr>
+              <a:t>plnkr.co/edit/v2KrvCdWvYCtnrIMhxIC?p=preview</a:t>
+            </a:r>
+            <a:endParaRPr lang="en-US" dirty="0" smtClean="0"/>
+          </a:p>
+          <a:p>
+            <a:r>
+              <a:rPr lang="en-US" dirty="0" err="1" smtClean="0"/>
+              <a:t>DatePicker</a:t>
+            </a:r>
+            <a:r>
+              <a:rPr lang="en-US" dirty="0" smtClean="0"/>
+              <a:t> </a:t>
+            </a:r>
+            <a:r>
+              <a:rPr lang="en-US" dirty="0">
+                <a:hlinkClick r:id="rId5"/>
+              </a:rPr>
+              <a:t>http://</a:t>
+            </a:r>
+            <a:r>
+              <a:rPr lang="en-US" dirty="0" smtClean="0">
+                <a:hlinkClick r:id="rId5"/>
+              </a:rPr>
+              <a:t>plnkr.co/edit/0P3kQDcdPY9xmfKEEZjq?p=preview</a:t>
+            </a:r>
+            <a:endParaRPr lang="en-US" dirty="0" smtClean="0"/>
+          </a:p>
+          <a:p>
+            <a:r>
+              <a:rPr lang="en-US" dirty="0" err="1" smtClean="0"/>
+              <a:t>DropDown</a:t>
+            </a:r>
+            <a:r>
+              <a:rPr lang="en-US" dirty="0" smtClean="0"/>
+              <a:t> </a:t>
+            </a:r>
+            <a:r>
+              <a:rPr lang="en-US" dirty="0" smtClean="0">
+                <a:hlinkClick r:id="rId6"/>
+              </a:rPr>
+              <a:t>http</a:t>
+            </a:r>
+            <a:r>
+              <a:rPr lang="en-US" dirty="0">
+                <a:hlinkClick r:id="rId6"/>
+              </a:rPr>
+              <a:t>://</a:t>
+            </a:r>
+            <a:r>
+              <a:rPr lang="en-US" dirty="0" smtClean="0">
+                <a:hlinkClick r:id="rId6"/>
+              </a:rPr>
+              <a:t>plnkr.co/edit/GlWltk3kpAqiGq0uIQyK?p=preview</a:t>
+            </a:r>
+            <a:endParaRPr lang="en-US" dirty="0" smtClean="0"/>
+          </a:p>
+          <a:p>
+            <a:r>
+              <a:rPr lang="en-US" dirty="0" smtClean="0"/>
+              <a:t>Modal </a:t>
+            </a:r>
+            <a:r>
+              <a:rPr lang="en-US" dirty="0">
+                <a:hlinkClick r:id="rId7"/>
+              </a:rPr>
+              <a:t>http://</a:t>
+            </a:r>
+            <a:r>
+              <a:rPr lang="en-US" dirty="0" smtClean="0">
+                <a:hlinkClick r:id="rId7"/>
+              </a:rPr>
+              <a:t>plnkr.co/edit/fj1CujrdLtWzYlWasS8v?p=preview</a:t>
+            </a:r>
+            <a:endParaRPr lang="en-US" dirty="0" smtClean="0"/>
+          </a:p>
+          <a:p>
+            <a:r>
+              <a:rPr lang="en-US" dirty="0" smtClean="0"/>
+              <a:t>Pagination </a:t>
+            </a:r>
+            <a:r>
+              <a:rPr lang="en-US" dirty="0">
+                <a:hlinkClick r:id="rId8"/>
+              </a:rPr>
+              <a:t>http://</a:t>
+            </a:r>
+            <a:r>
+              <a:rPr lang="en-US" dirty="0" smtClean="0">
+                <a:hlinkClick r:id="rId8"/>
+              </a:rPr>
+              <a:t>plnkr.co/edit/4Jdg4aM5TKf0fI8fzRLD?p=preview</a:t>
+            </a:r>
+            <a:endParaRPr lang="en-US" dirty="0" smtClean="0"/>
+          </a:p>
+          <a:p>
+            <a:r>
+              <a:rPr lang="en-US" dirty="0" smtClean="0"/>
+              <a:t>Progress </a:t>
+            </a:r>
+            <a:r>
+              <a:rPr lang="en-US" dirty="0">
+                <a:hlinkClick r:id="rId9"/>
+              </a:rPr>
+              <a:t>http://</a:t>
+            </a:r>
+            <a:r>
+              <a:rPr lang="en-US" dirty="0" smtClean="0">
+                <a:hlinkClick r:id="rId9"/>
+              </a:rPr>
+              <a:t>plnkr.co/edit/MnbDZ1SC2Fy6Qs2v10R9?p=preview</a:t>
+            </a:r>
+            <a:endParaRPr lang="en-US" dirty="0" smtClean="0"/>
+          </a:p>
+          <a:p>
+            <a:r>
+              <a:rPr lang="en-US" dirty="0" smtClean="0"/>
+              <a:t>Rating </a:t>
+            </a:r>
+            <a:r>
+              <a:rPr lang="en-US" dirty="0">
+                <a:hlinkClick r:id="rId10"/>
+              </a:rPr>
+              <a:t>http://</a:t>
+            </a:r>
+            <a:r>
+              <a:rPr lang="en-US" dirty="0" smtClean="0">
+                <a:hlinkClick r:id="rId10"/>
+              </a:rPr>
+              <a:t>plnkr.co/edit/zyM5mzSvAuOq0EvArTu8?p=preview</a:t>
+            </a:r>
+            <a:endParaRPr lang="en-US" dirty="0" smtClean="0"/>
+          </a:p>
+          <a:p>
+            <a:r>
+              <a:rPr lang="en-US" dirty="0" err="1" smtClean="0"/>
+              <a:t>Timepicker</a:t>
+            </a:r>
+            <a:r>
+              <a:rPr lang="en-US" dirty="0" smtClean="0"/>
+              <a:t> </a:t>
+            </a:r>
+            <a:r>
+              <a:rPr lang="en-US" dirty="0">
+                <a:hlinkClick r:id="rId11"/>
+              </a:rPr>
+              <a:t>http://</a:t>
+            </a:r>
+            <a:r>
+              <a:rPr lang="en-US" dirty="0" smtClean="0">
+                <a:hlinkClick r:id="rId11"/>
+              </a:rPr>
+              <a:t>plnkr.co/edit/Rmj50aOHmIasisT8cSP0?p=preview</a:t>
+            </a:r>
+            <a:endParaRPr lang="en-US" dirty="0" smtClean="0"/>
+          </a:p>
+          <a:p>
+            <a:r>
+              <a:rPr lang="en-US" dirty="0" smtClean="0"/>
+              <a:t>Tabs </a:t>
+            </a:r>
+            <a:r>
+              <a:rPr lang="en-US" dirty="0">
+                <a:hlinkClick r:id="rId12"/>
+              </a:rPr>
+              <a:t>http://plnkr.co/edit/jh9KcQDrKuhRbcbf8kJb?p=preview</a:t>
+            </a:r>
+            <a:endParaRPr lang="en-US" dirty="0" smtClean="0"/>
+          </a:p>
+          <a:p>
+            <a:endParaRPr lang="en-US" dirty="0" smtClean="0"/>
+          </a:p>
+          <a:p>
+            <a:endParaRPr lang="en-US" dirty="0"/>
+          </a:p>
+        </p:txBody>
+      </p:sp>
+    </p:spTree>
+    <p:extLst>
+      <p:ext uri="{BB962C8B-B14F-4D97-AF65-F5344CB8AC3E}">
+        <p14:creationId xmlns:p14="http://schemas.microsoft.com/office/powerpoint/2010/main" val="1646312456"/>
+      </p:ext>
+    </p:extLst>
+  </p:cSld>
+  <p:clrMapOvr>
+    <a:masterClrMapping/>
+  </p:clrMapOvr>
+  <p:transition>
+    <p:fade/>
+  </p:transition>
+</p:sld>
+</file>
+
+<file path=ppt/slides/slide12.xml><?xml version="1.0" encoding="utf-8"?>
+<p:sld xmlns:a="http://schemas.openxmlformats.org/drawingml/2006/main" xmlns:r="http://schemas.openxmlformats.org/officeDocument/2006/relationships" xmlns:p="http://schemas.openxmlformats.org/presentationml/2006/main">
+  <p:cSld>
+    <p:spTree>
+      <p:nvGrpSpPr>
+        <p:cNvPr id="1" name=""/>
+        <p:cNvGrpSpPr/>
+        <p:nvPr/>
+      </p:nvGrpSpPr>
+      <p:grpSpPr>
+        <a:xfrm>
+          <a:off x="0" y="0"/>
+          <a:ext cx="0" cy="0"/>
+          <a:chOff x="0" y="0"/>
+          <a:chExt cx="0" cy="0"/>
+        </a:xfrm>
+      </p:grpSpPr>
+      <p:sp>
+        <p:nvSpPr>
+          <p:cNvPr id="2" name="Title 1"/>
+          <p:cNvSpPr>
+            <a:spLocks noGrp="1"/>
+          </p:cNvSpPr>
+          <p:nvPr>
+            <p:ph type="title"/>
+          </p:nvPr>
+        </p:nvSpPr>
+        <p:spPr/>
+        <p:txBody>
+          <a:bodyPr/>
+          <a:lstStyle/>
+          <a:p>
+            <a:r>
+              <a:rPr lang="en-US" dirty="0" smtClean="0"/>
+              <a:t>Summary</a:t>
+            </a:r>
+            <a:endParaRPr lang="en-US" dirty="0"/>
+          </a:p>
+        </p:txBody>
+      </p:sp>
+      <p:sp>
+        <p:nvSpPr>
+          <p:cNvPr id="3" name="Text Placeholder 2"/>
+          <p:cNvSpPr>
+            <a:spLocks noGrp="1"/>
+          </p:cNvSpPr>
+          <p:nvPr>
+            <p:ph type="body" idx="1"/>
+          </p:nvPr>
+        </p:nvSpPr>
+        <p:spPr/>
+        <p:txBody>
+          <a:bodyPr/>
+          <a:lstStyle/>
+          <a:p>
+            <a:r>
+              <a:rPr lang="en-US" dirty="0" smtClean="0"/>
+              <a:t>Animations are built into </a:t>
+            </a:r>
+            <a:r>
+              <a:rPr lang="en-US" dirty="0" err="1" smtClean="0"/>
+              <a:t>ngAnimate</a:t>
+            </a:r>
+            <a:endParaRPr lang="en-US" dirty="0" smtClean="0"/>
+          </a:p>
+          <a:p>
+            <a:r>
+              <a:rPr lang="en-US" dirty="0" smtClean="0"/>
+              <a:t>Third party modules provide additional directives and services</a:t>
+            </a:r>
+          </a:p>
+          <a:p>
+            <a:r>
+              <a:rPr lang="en-US" dirty="0">
+                <a:hlinkClick r:id="rId2"/>
+              </a:rPr>
+              <a:t>http://ngmodules.org/popular</a:t>
+            </a:r>
+            <a:endParaRPr lang="en-US" dirty="0" smtClean="0"/>
+          </a:p>
+          <a:p>
+            <a:pPr lvl="1"/>
+            <a:r>
+              <a:rPr lang="en-US" dirty="0" smtClean="0"/>
+              <a:t>UI Bootstrap</a:t>
+            </a:r>
+          </a:p>
+          <a:p>
+            <a:pPr lvl="1"/>
+            <a:r>
+              <a:rPr lang="en-US" dirty="0" err="1" smtClean="0"/>
+              <a:t>ngTable</a:t>
+            </a:r>
+            <a:endParaRPr lang="en-US" dirty="0" smtClean="0"/>
+          </a:p>
+          <a:p>
+            <a:pPr lvl="1"/>
+            <a:r>
+              <a:rPr lang="en-US" dirty="0" err="1" smtClean="0"/>
+              <a:t>ngUpload</a:t>
+            </a:r>
+            <a:endParaRPr lang="en-US" dirty="0" smtClean="0"/>
+          </a:p>
+          <a:p>
+            <a:pPr lvl="1"/>
+            <a:r>
+              <a:rPr lang="en-US" dirty="0" err="1" smtClean="0"/>
+              <a:t>uiRouter</a:t>
+            </a:r>
             <a:endParaRPr lang="en-US" dirty="0"/>
           </a:p>
         </p:txBody>
@@ -2593,7 +3063,7 @@
           <p:nvPr/>
         </p:nvPicPr>
         <p:blipFill>
-          <a:blip r:embed="rId2">
+          <a:blip r:embed="rId3">
             <a:extLst>
               <a:ext uri="{28A0092B-C50C-407E-A947-70E740481C1C}">
                 <a14:useLocalDpi xmlns:a14="http://schemas.microsoft.com/office/drawing/2010/main" val="0"/>
@@ -2629,6 +3099,1457 @@
     <p:extLst>
       <p:ext uri="{BB962C8B-B14F-4D97-AF65-F5344CB8AC3E}">
         <p14:creationId xmlns:p14="http://schemas.microsoft.com/office/powerpoint/2010/main" val="711588167"/>
+      </p:ext>
+    </p:extLst>
+  </p:cSld>
+  <p:clrMapOvr>
+    <a:masterClrMapping/>
+  </p:clrMapOvr>
+  <p:transition>
+    <p:fade/>
+  </p:transition>
+</p:sld>
+</file>
+
+<file path=ppt/slides/slide2.xml><?xml version="1.0" encoding="utf-8"?>
+<p:sld xmlns:a="http://schemas.openxmlformats.org/drawingml/2006/main" xmlns:r="http://schemas.openxmlformats.org/officeDocument/2006/relationships" xmlns:p="http://schemas.openxmlformats.org/presentationml/2006/main">
+  <p:cSld>
+    <p:spTree>
+      <p:nvGrpSpPr>
+        <p:cNvPr id="1" name=""/>
+        <p:cNvGrpSpPr/>
+        <p:nvPr/>
+      </p:nvGrpSpPr>
+      <p:grpSpPr>
+        <a:xfrm>
+          <a:off x="0" y="0"/>
+          <a:ext cx="0" cy="0"/>
+          <a:chOff x="0" y="0"/>
+          <a:chExt cx="0" cy="0"/>
+        </a:xfrm>
+      </p:grpSpPr>
+      <p:sp>
+        <p:nvSpPr>
+          <p:cNvPr id="2" name="Title 1"/>
+          <p:cNvSpPr>
+            <a:spLocks noGrp="1"/>
+          </p:cNvSpPr>
+          <p:nvPr>
+            <p:ph type="title"/>
+          </p:nvPr>
+        </p:nvSpPr>
+        <p:spPr/>
+        <p:txBody>
+          <a:bodyPr/>
+          <a:lstStyle/>
+          <a:p>
+            <a:r>
+              <a:rPr lang="en-US" dirty="0" err="1" smtClean="0"/>
+              <a:t>ngAnimate</a:t>
+            </a:r>
+            <a:endParaRPr lang="en-US" dirty="0"/>
+          </a:p>
+        </p:txBody>
+      </p:sp>
+      <p:sp>
+        <p:nvSpPr>
+          <p:cNvPr id="3" name="Text Placeholder 2"/>
+          <p:cNvSpPr>
+            <a:spLocks noGrp="1"/>
+          </p:cNvSpPr>
+          <p:nvPr>
+            <p:ph type="body" idx="1"/>
+          </p:nvPr>
+        </p:nvSpPr>
+        <p:spPr/>
+        <p:txBody>
+          <a:bodyPr/>
+          <a:lstStyle/>
+          <a:p>
+            <a:r>
+              <a:rPr lang="en-US" dirty="0" smtClean="0"/>
+              <a:t>From angular-animate.js</a:t>
+            </a:r>
+          </a:p>
+          <a:p>
+            <a:r>
+              <a:rPr lang="en-US" dirty="0" smtClean="0"/>
+              <a:t>Supports CSS transition, CSS </a:t>
+            </a:r>
+            <a:r>
+              <a:rPr lang="en-US" dirty="0" err="1" smtClean="0"/>
+              <a:t>keyframe</a:t>
+            </a:r>
+            <a:r>
+              <a:rPr lang="en-US" dirty="0" smtClean="0"/>
+              <a:t>, and JavaScript animations</a:t>
+            </a:r>
+          </a:p>
+          <a:p>
+            <a:r>
+              <a:rPr lang="en-US" dirty="0" smtClean="0"/>
+              <a:t>Uses $animate and $</a:t>
+            </a:r>
+            <a:r>
+              <a:rPr lang="en-US" dirty="0" err="1" smtClean="0"/>
+              <a:t>animateProvider</a:t>
+            </a:r>
+            <a:endParaRPr lang="en-US" dirty="0" smtClean="0"/>
+          </a:p>
+          <a:p>
+            <a:endParaRPr lang="en-US" dirty="0"/>
+          </a:p>
+        </p:txBody>
+      </p:sp>
+      <p:pic>
+        <p:nvPicPr>
+          <p:cNvPr id="4" name="Picture 3"/>
+          <p:cNvPicPr>
+            <a:picLocks noChangeAspect="1"/>
+          </p:cNvPicPr>
+          <p:nvPr/>
+        </p:nvPicPr>
+        <p:blipFill>
+          <a:blip r:embed="rId2">
+            <a:extLst>
+              <a:ext uri="{BEBA8EAE-BF5A-486C-A8C5-ECC9F3942E4B}">
+                <a14:imgProps xmlns:a14="http://schemas.microsoft.com/office/drawing/2010/main">
+                  <a14:imgLayer r:embed="rId3">
+                    <a14:imgEffect>
+                      <a14:colorTemperature colorTemp="11200"/>
+                    </a14:imgEffect>
+                  </a14:imgLayer>
+                </a14:imgProps>
+              </a:ext>
+            </a:extLst>
+          </a:blip>
+          <a:stretch>
+            <a:fillRect/>
+          </a:stretch>
+        </p:blipFill>
+        <p:spPr>
+          <a:xfrm>
+            <a:off x="1752600" y="3143250"/>
+            <a:ext cx="5295900" cy="552450"/>
+          </a:xfrm>
+          <a:prstGeom prst="rect">
+            <a:avLst/>
+          </a:prstGeom>
+          <a:ln>
+            <a:noFill/>
+          </a:ln>
+          <a:effectLst>
+            <a:outerShdw blurRad="292100" dist="139700" dir="2700000" algn="tl" rotWithShape="0">
+              <a:srgbClr val="333333">
+                <a:alpha val="65000"/>
+              </a:srgbClr>
+            </a:outerShdw>
+          </a:effectLst>
+        </p:spPr>
+      </p:pic>
+    </p:spTree>
+    <p:extLst>
+      <p:ext uri="{BB962C8B-B14F-4D97-AF65-F5344CB8AC3E}">
+        <p14:creationId xmlns:p14="http://schemas.microsoft.com/office/powerpoint/2010/main" val="823936207"/>
+      </p:ext>
+    </p:extLst>
+  </p:cSld>
+  <p:clrMapOvr>
+    <a:masterClrMapping/>
+  </p:clrMapOvr>
+  <p:transition>
+    <p:fade/>
+  </p:transition>
+</p:sld>
+</file>
+
+<file path=ppt/slides/slide3.xml><?xml version="1.0" encoding="utf-8"?>
+<p:sld xmlns:a="http://schemas.openxmlformats.org/drawingml/2006/main" xmlns:r="http://schemas.openxmlformats.org/officeDocument/2006/relationships" xmlns:p="http://schemas.openxmlformats.org/presentationml/2006/main">
+  <p:cSld>
+    <p:spTree>
+      <p:nvGrpSpPr>
+        <p:cNvPr id="1" name=""/>
+        <p:cNvGrpSpPr/>
+        <p:nvPr/>
+      </p:nvGrpSpPr>
+      <p:grpSpPr>
+        <a:xfrm>
+          <a:off x="0" y="0"/>
+          <a:ext cx="0" cy="0"/>
+          <a:chOff x="0" y="0"/>
+          <a:chExt cx="0" cy="0"/>
+        </a:xfrm>
+      </p:grpSpPr>
+      <p:sp>
+        <p:nvSpPr>
+          <p:cNvPr id="2" name="Title 1"/>
+          <p:cNvSpPr>
+            <a:spLocks noGrp="1"/>
+          </p:cNvSpPr>
+          <p:nvPr>
+            <p:ph type="title"/>
+          </p:nvPr>
+        </p:nvSpPr>
+        <p:spPr/>
+        <p:txBody>
+          <a:bodyPr/>
+          <a:lstStyle/>
+          <a:p>
+            <a:r>
+              <a:rPr lang="en-US" dirty="0" smtClean="0"/>
+              <a:t>Built-In Animations</a:t>
+            </a:r>
+            <a:endParaRPr lang="en-US" dirty="0"/>
+          </a:p>
+        </p:txBody>
+      </p:sp>
+      <p:graphicFrame>
+        <p:nvGraphicFramePr>
+          <p:cNvPr id="4" name="Table 3"/>
+          <p:cNvGraphicFramePr>
+            <a:graphicFrameLocks noGrp="1"/>
+          </p:cNvGraphicFramePr>
+          <p:nvPr>
+            <p:extLst>
+              <p:ext uri="{D42A27DB-BD31-4B8C-83A1-F6EECF244321}">
+                <p14:modId xmlns:p14="http://schemas.microsoft.com/office/powerpoint/2010/main" val="561857454"/>
+              </p:ext>
+            </p:extLst>
+          </p:nvPr>
+        </p:nvGraphicFramePr>
+        <p:xfrm>
+          <a:off x="1116806" y="1447800"/>
+          <a:ext cx="6910388" cy="3688080"/>
+        </p:xfrm>
+        <a:graphic>
+          <a:graphicData uri="http://schemas.openxmlformats.org/drawingml/2006/table">
+            <a:tbl>
+              <a:tblPr>
+                <a:tableStyleId>{0660B408-B3CF-4A94-85FC-2B1E0A45F4A2}</a:tableStyleId>
+              </a:tblPr>
+              <a:tblGrid>
+                <a:gridCol w="3455194"/>
+                <a:gridCol w="3455194"/>
+              </a:tblGrid>
+              <a:tr h="341200">
+                <a:tc>
+                  <a:txBody>
+                    <a:bodyPr/>
+                    <a:lstStyle/>
+                    <a:p>
+                      <a:pPr algn="l" fontAlgn="b"/>
+                      <a:r>
+                        <a:rPr lang="en-US" dirty="0">
+                          <a:effectLst/>
+                        </a:rPr>
+                        <a:t>Directive</a:t>
+                      </a:r>
+                      <a:endParaRPr lang="en-US" b="1" dirty="0">
+                        <a:effectLst/>
+                      </a:endParaRPr>
+                    </a:p>
+                  </a:txBody>
+                  <a:tcPr marL="76200" marR="76200" marT="76200" marB="76200" anchor="b"/>
+                </a:tc>
+                <a:tc>
+                  <a:txBody>
+                    <a:bodyPr/>
+                    <a:lstStyle/>
+                    <a:p>
+                      <a:pPr algn="l" fontAlgn="b"/>
+                      <a:r>
+                        <a:rPr lang="en-US">
+                          <a:effectLst/>
+                        </a:rPr>
+                        <a:t>Supported Animations</a:t>
+                      </a:r>
+                      <a:endParaRPr lang="en-US" b="1">
+                        <a:effectLst/>
+                      </a:endParaRPr>
+                    </a:p>
+                  </a:txBody>
+                  <a:tcPr marL="76200" marR="76200" marT="76200" marB="76200" anchor="b"/>
+                </a:tc>
+              </a:tr>
+              <a:tr h="341200">
+                <a:tc>
+                  <a:txBody>
+                    <a:bodyPr/>
+                    <a:lstStyle/>
+                    <a:p>
+                      <a:pPr algn="l" fontAlgn="t"/>
+                      <a:r>
+                        <a:rPr lang="en-US" u="none" strike="noStrike">
+                          <a:effectLst/>
+                          <a:hlinkClick r:id="rId2"/>
+                        </a:rPr>
+                        <a:t>ngRepeat</a:t>
+                      </a:r>
+                      <a:endParaRPr lang="en-US">
+                        <a:effectLst/>
+                      </a:endParaRPr>
+                    </a:p>
+                  </a:txBody>
+                  <a:tcPr marL="76200" marR="76200" marT="76200" marB="76200"/>
+                </a:tc>
+                <a:tc>
+                  <a:txBody>
+                    <a:bodyPr/>
+                    <a:lstStyle/>
+                    <a:p>
+                      <a:pPr algn="l" fontAlgn="t"/>
+                      <a:r>
+                        <a:rPr lang="en-US" dirty="0">
+                          <a:effectLst/>
+                        </a:rPr>
+                        <a:t>enter, leave, and move</a:t>
+                      </a:r>
+                    </a:p>
+                  </a:txBody>
+                  <a:tcPr marL="76200" marR="76200" marT="76200" marB="76200"/>
+                </a:tc>
+              </a:tr>
+              <a:tr h="190500">
+                <a:tc>
+                  <a:txBody>
+                    <a:bodyPr/>
+                    <a:lstStyle/>
+                    <a:p>
+                      <a:pPr algn="l" fontAlgn="t"/>
+                      <a:r>
+                        <a:rPr lang="en-US" u="none" strike="noStrike">
+                          <a:effectLst/>
+                          <a:hlinkClick r:id="rId3"/>
+                        </a:rPr>
+                        <a:t>ngView</a:t>
+                      </a:r>
+                      <a:endParaRPr lang="en-US">
+                        <a:effectLst/>
+                      </a:endParaRPr>
+                    </a:p>
+                  </a:txBody>
+                  <a:tcPr marL="76200" marR="76200" marT="76200" marB="76200"/>
+                </a:tc>
+                <a:tc>
+                  <a:txBody>
+                    <a:bodyPr/>
+                    <a:lstStyle/>
+                    <a:p>
+                      <a:pPr algn="l" fontAlgn="t"/>
+                      <a:r>
+                        <a:rPr lang="en-US">
+                          <a:effectLst/>
+                        </a:rPr>
+                        <a:t>enter and leave</a:t>
+                      </a:r>
+                    </a:p>
+                  </a:txBody>
+                  <a:tcPr marL="76200" marR="76200" marT="76200" marB="76200"/>
+                </a:tc>
+              </a:tr>
+              <a:tr h="341200">
+                <a:tc>
+                  <a:txBody>
+                    <a:bodyPr/>
+                    <a:lstStyle/>
+                    <a:p>
+                      <a:pPr algn="l" fontAlgn="t"/>
+                      <a:r>
+                        <a:rPr lang="en-US" u="none" strike="noStrike">
+                          <a:effectLst/>
+                          <a:hlinkClick r:id="rId4"/>
+                        </a:rPr>
+                        <a:t>ngInclude</a:t>
+                      </a:r>
+                      <a:endParaRPr lang="en-US">
+                        <a:effectLst/>
+                      </a:endParaRPr>
+                    </a:p>
+                  </a:txBody>
+                  <a:tcPr marL="76200" marR="76200" marT="76200" marB="76200"/>
+                </a:tc>
+                <a:tc>
+                  <a:txBody>
+                    <a:bodyPr/>
+                    <a:lstStyle/>
+                    <a:p>
+                      <a:pPr algn="l" fontAlgn="t"/>
+                      <a:r>
+                        <a:rPr lang="en-US">
+                          <a:effectLst/>
+                        </a:rPr>
+                        <a:t>enter and leave</a:t>
+                      </a:r>
+                    </a:p>
+                  </a:txBody>
+                  <a:tcPr marL="76200" marR="76200" marT="76200" marB="76200"/>
+                </a:tc>
+              </a:tr>
+              <a:tr h="341200">
+                <a:tc>
+                  <a:txBody>
+                    <a:bodyPr/>
+                    <a:lstStyle/>
+                    <a:p>
+                      <a:pPr algn="l" fontAlgn="t"/>
+                      <a:r>
+                        <a:rPr lang="en-US" u="none" strike="noStrike">
+                          <a:effectLst/>
+                          <a:hlinkClick r:id="rId5"/>
+                        </a:rPr>
+                        <a:t>ngSwitch</a:t>
+                      </a:r>
+                      <a:endParaRPr lang="en-US">
+                        <a:effectLst/>
+                      </a:endParaRPr>
+                    </a:p>
+                  </a:txBody>
+                  <a:tcPr marL="76200" marR="76200" marT="76200" marB="76200"/>
+                </a:tc>
+                <a:tc>
+                  <a:txBody>
+                    <a:bodyPr/>
+                    <a:lstStyle/>
+                    <a:p>
+                      <a:pPr algn="l" fontAlgn="t"/>
+                      <a:r>
+                        <a:rPr lang="en-US">
+                          <a:effectLst/>
+                        </a:rPr>
+                        <a:t>enter and leave</a:t>
+                      </a:r>
+                    </a:p>
+                  </a:txBody>
+                  <a:tcPr marL="76200" marR="76200" marT="76200" marB="76200"/>
+                </a:tc>
+              </a:tr>
+              <a:tr h="341200">
+                <a:tc>
+                  <a:txBody>
+                    <a:bodyPr/>
+                    <a:lstStyle/>
+                    <a:p>
+                      <a:pPr algn="l" fontAlgn="t"/>
+                      <a:r>
+                        <a:rPr lang="en-US" u="none" strike="noStrike">
+                          <a:effectLst/>
+                          <a:hlinkClick r:id="rId6"/>
+                        </a:rPr>
+                        <a:t>ngIf</a:t>
+                      </a:r>
+                      <a:endParaRPr lang="en-US">
+                        <a:effectLst/>
+                      </a:endParaRPr>
+                    </a:p>
+                  </a:txBody>
+                  <a:tcPr marL="76200" marR="76200" marT="76200" marB="76200"/>
+                </a:tc>
+                <a:tc>
+                  <a:txBody>
+                    <a:bodyPr/>
+                    <a:lstStyle/>
+                    <a:p>
+                      <a:pPr algn="l" fontAlgn="t"/>
+                      <a:r>
+                        <a:rPr lang="en-US">
+                          <a:effectLst/>
+                        </a:rPr>
+                        <a:t>enter and leave</a:t>
+                      </a:r>
+                    </a:p>
+                  </a:txBody>
+                  <a:tcPr marL="76200" marR="76200" marT="76200" marB="76200"/>
+                </a:tc>
+              </a:tr>
+              <a:tr h="341200">
+                <a:tc>
+                  <a:txBody>
+                    <a:bodyPr/>
+                    <a:lstStyle/>
+                    <a:p>
+                      <a:pPr algn="l" fontAlgn="t"/>
+                      <a:r>
+                        <a:rPr lang="en-US" u="none" strike="noStrike">
+                          <a:effectLst/>
+                          <a:hlinkClick r:id="rId7"/>
+                        </a:rPr>
+                        <a:t>ngClass or {{class}}</a:t>
+                      </a:r>
+                      <a:endParaRPr lang="en-US">
+                        <a:effectLst/>
+                      </a:endParaRPr>
+                    </a:p>
+                  </a:txBody>
+                  <a:tcPr marL="76200" marR="76200" marT="76200" marB="76200"/>
+                </a:tc>
+                <a:tc>
+                  <a:txBody>
+                    <a:bodyPr/>
+                    <a:lstStyle/>
+                    <a:p>
+                      <a:pPr algn="l" fontAlgn="t"/>
+                      <a:r>
+                        <a:rPr lang="en-US">
+                          <a:effectLst/>
+                        </a:rPr>
+                        <a:t>add and remove</a:t>
+                      </a:r>
+                    </a:p>
+                  </a:txBody>
+                  <a:tcPr marL="76200" marR="76200" marT="76200" marB="76200"/>
+                </a:tc>
+              </a:tr>
+              <a:tr h="560542">
+                <a:tc>
+                  <a:txBody>
+                    <a:bodyPr/>
+                    <a:lstStyle/>
+                    <a:p>
+                      <a:pPr algn="l" fontAlgn="t"/>
+                      <a:r>
+                        <a:rPr lang="en-US" u="none" strike="noStrike" dirty="0" err="1">
+                          <a:effectLst/>
+                          <a:hlinkClick r:id="rId7"/>
+                        </a:rPr>
+                        <a:t>ngShow</a:t>
+                      </a:r>
+                      <a:r>
+                        <a:rPr lang="en-US" u="none" strike="noStrike" dirty="0">
+                          <a:effectLst/>
+                          <a:hlinkClick r:id="rId7"/>
+                        </a:rPr>
+                        <a:t> &amp; </a:t>
+                      </a:r>
+                      <a:r>
+                        <a:rPr lang="en-US" u="none" strike="noStrike" dirty="0" err="1">
+                          <a:effectLst/>
+                          <a:hlinkClick r:id="rId7"/>
+                        </a:rPr>
+                        <a:t>ngHide</a:t>
+                      </a:r>
+                      <a:endParaRPr lang="en-US" dirty="0">
+                        <a:effectLst/>
+                      </a:endParaRPr>
+                    </a:p>
+                  </a:txBody>
+                  <a:tcPr marL="76200" marR="76200" marT="76200" marB="76200"/>
+                </a:tc>
+                <a:tc>
+                  <a:txBody>
+                    <a:bodyPr/>
+                    <a:lstStyle/>
+                    <a:p>
+                      <a:pPr algn="l" fontAlgn="t"/>
+                      <a:r>
+                        <a:rPr lang="en-US" dirty="0">
+                          <a:effectLst/>
+                        </a:rPr>
+                        <a:t>add and remove (the </a:t>
+                      </a:r>
+                      <a:r>
+                        <a:rPr lang="en-US" dirty="0" err="1">
+                          <a:effectLst/>
+                        </a:rPr>
+                        <a:t>ng</a:t>
+                      </a:r>
+                      <a:r>
+                        <a:rPr lang="en-US" dirty="0">
+                          <a:effectLst/>
+                        </a:rPr>
+                        <a:t>-hide class value)</a:t>
+                      </a:r>
+                    </a:p>
+                  </a:txBody>
+                  <a:tcPr marL="76200" marR="76200" marT="76200" marB="76200"/>
+                </a:tc>
+              </a:tr>
+            </a:tbl>
+          </a:graphicData>
+        </a:graphic>
+      </p:graphicFrame>
+    </p:spTree>
+    <p:extLst>
+      <p:ext uri="{BB962C8B-B14F-4D97-AF65-F5344CB8AC3E}">
+        <p14:creationId xmlns:p14="http://schemas.microsoft.com/office/powerpoint/2010/main" val="676991088"/>
+      </p:ext>
+    </p:extLst>
+  </p:cSld>
+  <p:clrMapOvr>
+    <a:masterClrMapping/>
+  </p:clrMapOvr>
+  <p:transition>
+    <p:fade/>
+  </p:transition>
+</p:sld>
+</file>
+
+<file path=ppt/slides/slide4.xml><?xml version="1.0" encoding="utf-8"?>
+<p:sld xmlns:a="http://schemas.openxmlformats.org/drawingml/2006/main" xmlns:r="http://schemas.openxmlformats.org/officeDocument/2006/relationships" xmlns:p="http://schemas.openxmlformats.org/presentationml/2006/main">
+  <p:cSld>
+    <p:spTree>
+      <p:nvGrpSpPr>
+        <p:cNvPr id="1" name=""/>
+        <p:cNvGrpSpPr/>
+        <p:nvPr/>
+      </p:nvGrpSpPr>
+      <p:grpSpPr>
+        <a:xfrm>
+          <a:off x="0" y="0"/>
+          <a:ext cx="0" cy="0"/>
+          <a:chOff x="0" y="0"/>
+          <a:chExt cx="0" cy="0"/>
+        </a:xfrm>
+      </p:grpSpPr>
+      <p:sp>
+        <p:nvSpPr>
+          <p:cNvPr id="2" name="Title 1"/>
+          <p:cNvSpPr>
+            <a:spLocks noGrp="1"/>
+          </p:cNvSpPr>
+          <p:nvPr>
+            <p:ph type="title"/>
+          </p:nvPr>
+        </p:nvSpPr>
+        <p:spPr/>
+        <p:txBody>
+          <a:bodyPr/>
+          <a:lstStyle/>
+          <a:p>
+            <a:r>
+              <a:rPr lang="en-US" dirty="0" smtClean="0"/>
+              <a:t>A Touch of CSS</a:t>
+            </a:r>
+            <a:endParaRPr lang="en-US" dirty="0"/>
+          </a:p>
+        </p:txBody>
+      </p:sp>
+      <p:sp>
+        <p:nvSpPr>
+          <p:cNvPr id="3" name="Text Placeholder 2"/>
+          <p:cNvSpPr>
+            <a:spLocks noGrp="1"/>
+          </p:cNvSpPr>
+          <p:nvPr>
+            <p:ph type="body" idx="1"/>
+          </p:nvPr>
+        </p:nvSpPr>
+        <p:spPr/>
+        <p:txBody>
+          <a:bodyPr/>
+          <a:lstStyle/>
+          <a:p>
+            <a:r>
+              <a:rPr lang="en-US" dirty="0" smtClean="0"/>
+              <a:t>Built in animations use a pair of classes for animations</a:t>
+            </a:r>
+          </a:p>
+          <a:p>
+            <a:r>
+              <a:rPr lang="en-US" dirty="0" smtClean="0"/>
+              <a:t>Classes managed by $animate</a:t>
+            </a:r>
+          </a:p>
+          <a:p>
+            <a:r>
+              <a:rPr lang="en-US" dirty="0" smtClean="0"/>
+              <a:t>Just need to provide the CSS definitions</a:t>
+            </a:r>
+          </a:p>
+          <a:p>
+            <a:endParaRPr lang="en-US" dirty="0"/>
+          </a:p>
+        </p:txBody>
+      </p:sp>
+      <p:pic>
+        <p:nvPicPr>
+          <p:cNvPr id="4" name="Picture 3"/>
+          <p:cNvPicPr>
+            <a:picLocks noChangeAspect="1"/>
+          </p:cNvPicPr>
+          <p:nvPr/>
+        </p:nvPicPr>
+        <p:blipFill>
+          <a:blip r:embed="rId2">
+            <a:extLst>
+              <a:ext uri="{BEBA8EAE-BF5A-486C-A8C5-ECC9F3942E4B}">
+                <a14:imgProps xmlns:a14="http://schemas.microsoft.com/office/drawing/2010/main">
+                  <a14:imgLayer r:embed="rId3">
+                    <a14:imgEffect>
+                      <a14:colorTemperature colorTemp="11200"/>
+                    </a14:imgEffect>
+                  </a14:imgLayer>
+                </a14:imgProps>
+              </a:ext>
+            </a:extLst>
+          </a:blip>
+          <a:stretch>
+            <a:fillRect/>
+          </a:stretch>
+        </p:blipFill>
+        <p:spPr>
+          <a:xfrm>
+            <a:off x="2209800" y="3581400"/>
+            <a:ext cx="4048125" cy="2124075"/>
+          </a:xfrm>
+          <a:prstGeom prst="rect">
+            <a:avLst/>
+          </a:prstGeom>
+          <a:ln>
+            <a:noFill/>
+          </a:ln>
+          <a:effectLst>
+            <a:outerShdw blurRad="292100" dist="139700" dir="2700000" algn="tl" rotWithShape="0">
+              <a:srgbClr val="333333">
+                <a:alpha val="65000"/>
+              </a:srgbClr>
+            </a:outerShdw>
+          </a:effectLst>
+        </p:spPr>
+      </p:pic>
+    </p:spTree>
+    <p:extLst>
+      <p:ext uri="{BB962C8B-B14F-4D97-AF65-F5344CB8AC3E}">
+        <p14:creationId xmlns:p14="http://schemas.microsoft.com/office/powerpoint/2010/main" val="577665126"/>
+      </p:ext>
+    </p:extLst>
+  </p:cSld>
+  <p:clrMapOvr>
+    <a:masterClrMapping/>
+  </p:clrMapOvr>
+  <p:transition>
+    <p:fade/>
+  </p:transition>
+</p:sld>
+</file>
+
+<file path=ppt/slides/slide5.xml><?xml version="1.0" encoding="utf-8"?>
+<p:sld xmlns:a="http://schemas.openxmlformats.org/drawingml/2006/main" xmlns:r="http://schemas.openxmlformats.org/officeDocument/2006/relationships" xmlns:p="http://schemas.openxmlformats.org/presentationml/2006/main">
+  <p:cSld>
+    <p:spTree>
+      <p:nvGrpSpPr>
+        <p:cNvPr id="1" name=""/>
+        <p:cNvGrpSpPr/>
+        <p:nvPr/>
+      </p:nvGrpSpPr>
+      <p:grpSpPr>
+        <a:xfrm>
+          <a:off x="0" y="0"/>
+          <a:ext cx="0" cy="0"/>
+          <a:chOff x="0" y="0"/>
+          <a:chExt cx="0" cy="0"/>
+        </a:xfrm>
+      </p:grpSpPr>
+      <p:sp>
+        <p:nvSpPr>
+          <p:cNvPr id="2" name="Title 1"/>
+          <p:cNvSpPr>
+            <a:spLocks noGrp="1"/>
+          </p:cNvSpPr>
+          <p:nvPr>
+            <p:ph type="title"/>
+          </p:nvPr>
+        </p:nvSpPr>
+        <p:spPr/>
+        <p:txBody>
+          <a:bodyPr/>
+          <a:lstStyle/>
+          <a:p>
+            <a:r>
+              <a:rPr lang="en-US" dirty="0" smtClean="0"/>
+              <a:t>CSS Classes</a:t>
+            </a:r>
+            <a:endParaRPr lang="en-US" dirty="0"/>
+          </a:p>
+        </p:txBody>
+      </p:sp>
+      <p:sp>
+        <p:nvSpPr>
+          <p:cNvPr id="3" name="Text Placeholder 2"/>
+          <p:cNvSpPr>
+            <a:spLocks noGrp="1"/>
+          </p:cNvSpPr>
+          <p:nvPr>
+            <p:ph type="body" idx="1"/>
+          </p:nvPr>
+        </p:nvSpPr>
+        <p:spPr/>
+        <p:txBody>
+          <a:bodyPr/>
+          <a:lstStyle/>
+          <a:p>
+            <a:r>
+              <a:rPr lang="en-US" dirty="0" smtClean="0"/>
+              <a:t>Event class is added first (</a:t>
+            </a:r>
+            <a:r>
+              <a:rPr lang="en-US" dirty="0" err="1" smtClean="0"/>
+              <a:t>ng</a:t>
+            </a:r>
+            <a:r>
+              <a:rPr lang="en-US" dirty="0" smtClean="0"/>
+              <a:t>-enter)</a:t>
+            </a:r>
+          </a:p>
+          <a:p>
+            <a:r>
+              <a:rPr lang="en-US" dirty="0" smtClean="0"/>
+              <a:t>Active class is added second (</a:t>
+            </a:r>
+            <a:r>
+              <a:rPr lang="en-US" dirty="0" err="1" smtClean="0"/>
+              <a:t>ng</a:t>
+            </a:r>
+            <a:r>
+              <a:rPr lang="en-US" dirty="0" smtClean="0"/>
+              <a:t>-enter-active)</a:t>
+            </a:r>
+          </a:p>
+          <a:p>
+            <a:r>
+              <a:rPr lang="en-US" dirty="0" smtClean="0"/>
+              <a:t>Both classes removed when animation complete</a:t>
+            </a:r>
+          </a:p>
+          <a:p>
+            <a:r>
+              <a:rPr lang="en-US" dirty="0" smtClean="0"/>
+              <a:t>Can also create custom animations in JavaScript</a:t>
+            </a:r>
+            <a:endParaRPr lang="en-US" dirty="0"/>
+          </a:p>
+        </p:txBody>
+      </p:sp>
+      <p:pic>
+        <p:nvPicPr>
+          <p:cNvPr id="5" name="Picture 4"/>
+          <p:cNvPicPr>
+            <a:picLocks noChangeAspect="1"/>
+          </p:cNvPicPr>
+          <p:nvPr/>
+        </p:nvPicPr>
+        <p:blipFill>
+          <a:blip r:embed="rId2">
+            <a:extLst>
+              <a:ext uri="{BEBA8EAE-BF5A-486C-A8C5-ECC9F3942E4B}">
+                <a14:imgProps xmlns:a14="http://schemas.microsoft.com/office/drawing/2010/main">
+                  <a14:imgLayer r:embed="rId3">
+                    <a14:imgEffect>
+                      <a14:colorTemperature colorTemp="11200"/>
+                    </a14:imgEffect>
+                  </a14:imgLayer>
+                </a14:imgProps>
+              </a:ext>
+            </a:extLst>
+          </a:blip>
+          <a:stretch>
+            <a:fillRect/>
+          </a:stretch>
+        </p:blipFill>
+        <p:spPr>
+          <a:xfrm>
+            <a:off x="1781175" y="3048000"/>
+            <a:ext cx="5581650" cy="3429000"/>
+          </a:xfrm>
+          <a:prstGeom prst="rect">
+            <a:avLst/>
+          </a:prstGeom>
+          <a:ln>
+            <a:noFill/>
+          </a:ln>
+          <a:effectLst>
+            <a:outerShdw blurRad="292100" dist="139700" dir="2700000" algn="tl" rotWithShape="0">
+              <a:srgbClr val="333333">
+                <a:alpha val="65000"/>
+              </a:srgbClr>
+            </a:outerShdw>
+          </a:effectLst>
+        </p:spPr>
+      </p:pic>
+    </p:spTree>
+    <p:extLst>
+      <p:ext uri="{BB962C8B-B14F-4D97-AF65-F5344CB8AC3E}">
+        <p14:creationId xmlns:p14="http://schemas.microsoft.com/office/powerpoint/2010/main" val="1711808540"/>
+      </p:ext>
+    </p:extLst>
+  </p:cSld>
+  <p:clrMapOvr>
+    <a:masterClrMapping/>
+  </p:clrMapOvr>
+  <p:transition>
+    <p:fade/>
+  </p:transition>
+</p:sld>
+</file>
+
+<file path=ppt/slides/slide6.xml><?xml version="1.0" encoding="utf-8"?>
+<p:sld xmlns:a="http://schemas.openxmlformats.org/drawingml/2006/main" xmlns:r="http://schemas.openxmlformats.org/officeDocument/2006/relationships" xmlns:p="http://schemas.openxmlformats.org/presentationml/2006/main">
+  <p:cSld>
+    <p:spTree>
+      <p:nvGrpSpPr>
+        <p:cNvPr id="1" name=""/>
+        <p:cNvGrpSpPr/>
+        <p:nvPr/>
+      </p:nvGrpSpPr>
+      <p:grpSpPr>
+        <a:xfrm>
+          <a:off x="0" y="0"/>
+          <a:ext cx="0" cy="0"/>
+          <a:chOff x="0" y="0"/>
+          <a:chExt cx="0" cy="0"/>
+        </a:xfrm>
+      </p:grpSpPr>
+      <p:sp>
+        <p:nvSpPr>
+          <p:cNvPr id="2" name="Title 1"/>
+          <p:cNvSpPr>
+            <a:spLocks noGrp="1"/>
+          </p:cNvSpPr>
+          <p:nvPr>
+            <p:ph type="title"/>
+          </p:nvPr>
+        </p:nvSpPr>
+        <p:spPr/>
+        <p:txBody>
+          <a:bodyPr/>
+          <a:lstStyle/>
+          <a:p>
+            <a:r>
+              <a:rPr lang="en-US" dirty="0" smtClean="0"/>
+              <a:t>Hide and Show</a:t>
+            </a:r>
+            <a:endParaRPr lang="en-US" dirty="0"/>
+          </a:p>
+        </p:txBody>
+      </p:sp>
+      <p:sp>
+        <p:nvSpPr>
+          <p:cNvPr id="3" name="Text Placeholder 2"/>
+          <p:cNvSpPr>
+            <a:spLocks noGrp="1"/>
+          </p:cNvSpPr>
+          <p:nvPr>
+            <p:ph type="body" idx="1"/>
+          </p:nvPr>
+        </p:nvSpPr>
+        <p:spPr/>
+        <p:txBody>
+          <a:bodyPr/>
+          <a:lstStyle/>
+          <a:p>
+            <a:r>
+              <a:rPr lang="en-US" dirty="0" smtClean="0"/>
+              <a:t>Remember to use !important</a:t>
+            </a:r>
+            <a:endParaRPr lang="en-US" dirty="0"/>
+          </a:p>
+        </p:txBody>
+      </p:sp>
+      <p:pic>
+        <p:nvPicPr>
+          <p:cNvPr id="4" name="Picture 3"/>
+          <p:cNvPicPr>
+            <a:picLocks noChangeAspect="1"/>
+          </p:cNvPicPr>
+          <p:nvPr/>
+        </p:nvPicPr>
+        <p:blipFill>
+          <a:blip r:embed="rId2">
+            <a:extLst>
+              <a:ext uri="{BEBA8EAE-BF5A-486C-A8C5-ECC9F3942E4B}">
+                <a14:imgProps xmlns:a14="http://schemas.microsoft.com/office/drawing/2010/main">
+                  <a14:imgLayer r:embed="rId3">
+                    <a14:imgEffect>
+                      <a14:colorTemperature colorTemp="11200"/>
+                    </a14:imgEffect>
+                  </a14:imgLayer>
+                </a14:imgProps>
+              </a:ext>
+            </a:extLst>
+          </a:blip>
+          <a:stretch>
+            <a:fillRect/>
+          </a:stretch>
+        </p:blipFill>
+        <p:spPr>
+          <a:xfrm>
+            <a:off x="1652587" y="2209800"/>
+            <a:ext cx="5838825" cy="2809875"/>
+          </a:xfrm>
+          <a:prstGeom prst="rect">
+            <a:avLst/>
+          </a:prstGeom>
+          <a:ln>
+            <a:noFill/>
+          </a:ln>
+          <a:effectLst>
+            <a:outerShdw blurRad="292100" dist="139700" dir="2700000" algn="tl" rotWithShape="0">
+              <a:srgbClr val="333333">
+                <a:alpha val="65000"/>
+              </a:srgbClr>
+            </a:outerShdw>
+          </a:effectLst>
+        </p:spPr>
+      </p:pic>
+    </p:spTree>
+    <p:extLst>
+      <p:ext uri="{BB962C8B-B14F-4D97-AF65-F5344CB8AC3E}">
+        <p14:creationId xmlns:p14="http://schemas.microsoft.com/office/powerpoint/2010/main" val="4038715037"/>
+      </p:ext>
+    </p:extLst>
+  </p:cSld>
+  <p:clrMapOvr>
+    <a:masterClrMapping/>
+  </p:clrMapOvr>
+  <p:transition>
+    <p:fade/>
+  </p:transition>
+</p:sld>
+</file>
+
+<file path=ppt/slides/slide7.xml><?xml version="1.0" encoding="utf-8"?>
+<p:sld xmlns:a="http://schemas.openxmlformats.org/drawingml/2006/main" xmlns:r="http://schemas.openxmlformats.org/officeDocument/2006/relationships" xmlns:p="http://schemas.openxmlformats.org/presentationml/2006/main">
+  <p:cSld>
+    <p:spTree>
+      <p:nvGrpSpPr>
+        <p:cNvPr id="1" name=""/>
+        <p:cNvGrpSpPr/>
+        <p:nvPr/>
+      </p:nvGrpSpPr>
+      <p:grpSpPr>
+        <a:xfrm>
+          <a:off x="0" y="0"/>
+          <a:ext cx="0" cy="0"/>
+          <a:chOff x="0" y="0"/>
+          <a:chExt cx="0" cy="0"/>
+        </a:xfrm>
+      </p:grpSpPr>
+      <p:sp>
+        <p:nvSpPr>
+          <p:cNvPr id="2" name="Title 1"/>
+          <p:cNvSpPr>
+            <a:spLocks noGrp="1"/>
+          </p:cNvSpPr>
+          <p:nvPr>
+            <p:ph type="title"/>
+          </p:nvPr>
+        </p:nvSpPr>
+        <p:spPr/>
+        <p:txBody>
+          <a:bodyPr/>
+          <a:lstStyle/>
+          <a:p>
+            <a:r>
+              <a:rPr lang="en-US" dirty="0" smtClean="0"/>
+              <a:t>Samples</a:t>
+            </a:r>
+            <a:endParaRPr lang="en-US" dirty="0"/>
+          </a:p>
+        </p:txBody>
+      </p:sp>
+      <p:sp>
+        <p:nvSpPr>
+          <p:cNvPr id="3" name="Text Placeholder 2"/>
+          <p:cNvSpPr>
+            <a:spLocks noGrp="1"/>
+          </p:cNvSpPr>
+          <p:nvPr>
+            <p:ph type="body" idx="1"/>
+          </p:nvPr>
+        </p:nvSpPr>
+        <p:spPr/>
+        <p:txBody>
+          <a:bodyPr/>
+          <a:lstStyle/>
+          <a:p>
+            <a:r>
+              <a:rPr lang="en-US" dirty="0">
+                <a:hlinkClick r:id="rId2"/>
+              </a:rPr>
+              <a:t>http://</a:t>
+            </a:r>
+            <a:r>
+              <a:rPr lang="en-US" dirty="0" smtClean="0">
+                <a:hlinkClick r:id="rId2"/>
+              </a:rPr>
+              <a:t>plnkr.co/edit/SZljRItnL986V821M7Ck?p=preview</a:t>
+            </a:r>
+            <a:endParaRPr lang="en-US" dirty="0"/>
+          </a:p>
+          <a:p>
+            <a:pPr lvl="1"/>
+            <a:r>
+              <a:rPr lang="en-US" dirty="0" smtClean="0"/>
+              <a:t>(</a:t>
+            </a:r>
+            <a:r>
+              <a:rPr lang="en-US" dirty="0" err="1" smtClean="0"/>
+              <a:t>ngRepeat</a:t>
+            </a:r>
+            <a:r>
+              <a:rPr lang="en-US" dirty="0" smtClean="0"/>
+              <a:t>)</a:t>
+            </a:r>
+          </a:p>
+          <a:p>
+            <a:r>
+              <a:rPr lang="en-US" dirty="0">
+                <a:hlinkClick r:id="rId3"/>
+              </a:rPr>
+              <a:t>http://</a:t>
+            </a:r>
+            <a:r>
+              <a:rPr lang="en-US" dirty="0" smtClean="0">
+                <a:hlinkClick r:id="rId3"/>
+              </a:rPr>
+              <a:t>plnkr.co/edit/bY70b3f3PpegDtpTWiKc?p=preview</a:t>
+            </a:r>
+            <a:endParaRPr lang="en-US" dirty="0" smtClean="0"/>
+          </a:p>
+          <a:p>
+            <a:pPr lvl="1"/>
+            <a:r>
+              <a:rPr lang="en-US" dirty="0" smtClean="0"/>
+              <a:t>(</a:t>
+            </a:r>
+            <a:r>
+              <a:rPr lang="en-US" dirty="0" err="1" smtClean="0"/>
+              <a:t>ngView</a:t>
+            </a:r>
+            <a:r>
+              <a:rPr lang="en-US" dirty="0" smtClean="0"/>
+              <a:t>)</a:t>
+            </a:r>
+          </a:p>
+          <a:p>
+            <a:r>
+              <a:rPr lang="en-US" dirty="0">
+                <a:hlinkClick r:id="rId4"/>
+              </a:rPr>
+              <a:t>http://</a:t>
+            </a:r>
+            <a:r>
+              <a:rPr lang="en-US" dirty="0" smtClean="0">
+                <a:hlinkClick r:id="rId4"/>
+              </a:rPr>
+              <a:t>plnkr.co/edit/is0Icl9XsVkdQ3HTAJHZ?p=preview</a:t>
+            </a:r>
+            <a:endParaRPr lang="en-US" dirty="0" smtClean="0"/>
+          </a:p>
+          <a:p>
+            <a:pPr lvl="1"/>
+            <a:r>
+              <a:rPr lang="en-US" dirty="0" smtClean="0"/>
+              <a:t>($animate in custom directive)</a:t>
+            </a:r>
+            <a:endParaRPr lang="en-US" dirty="0"/>
+          </a:p>
+        </p:txBody>
+      </p:sp>
+    </p:spTree>
+    <p:extLst>
+      <p:ext uri="{BB962C8B-B14F-4D97-AF65-F5344CB8AC3E}">
+        <p14:creationId xmlns:p14="http://schemas.microsoft.com/office/powerpoint/2010/main" val="1146734745"/>
+      </p:ext>
+    </p:extLst>
+  </p:cSld>
+  <p:clrMapOvr>
+    <a:masterClrMapping/>
+  </p:clrMapOvr>
+  <p:transition>
+    <p:fade/>
+  </p:transition>
+</p:sld>
+</file>
+
+<file path=ppt/slides/slide8.xml><?xml version="1.0" encoding="utf-8"?>
+<p:sld xmlns:a="http://schemas.openxmlformats.org/drawingml/2006/main" xmlns:r="http://schemas.openxmlformats.org/officeDocument/2006/relationships" xmlns:p="http://schemas.openxmlformats.org/presentationml/2006/main">
+  <p:cSld>
+    <p:spTree>
+      <p:nvGrpSpPr>
+        <p:cNvPr id="1" name=""/>
+        <p:cNvGrpSpPr/>
+        <p:nvPr/>
+      </p:nvGrpSpPr>
+      <p:grpSpPr>
+        <a:xfrm>
+          <a:off x="0" y="0"/>
+          <a:ext cx="0" cy="0"/>
+          <a:chOff x="0" y="0"/>
+          <a:chExt cx="0" cy="0"/>
+        </a:xfrm>
+      </p:grpSpPr>
+      <p:sp>
+        <p:nvSpPr>
+          <p:cNvPr id="2" name="Title 1"/>
+          <p:cNvSpPr>
+            <a:spLocks noGrp="1"/>
+          </p:cNvSpPr>
+          <p:nvPr>
+            <p:ph type="title"/>
+          </p:nvPr>
+        </p:nvSpPr>
+        <p:spPr/>
+        <p:txBody>
+          <a:bodyPr/>
+          <a:lstStyle/>
+          <a:p>
+            <a:r>
+              <a:rPr lang="en-US" dirty="0" smtClean="0"/>
+              <a:t>UI Bootstrap</a:t>
+            </a:r>
+            <a:endParaRPr lang="en-US" dirty="0"/>
+          </a:p>
+        </p:txBody>
+      </p:sp>
+      <p:sp>
+        <p:nvSpPr>
+          <p:cNvPr id="3" name="Text Placeholder 2"/>
+          <p:cNvSpPr>
+            <a:spLocks noGrp="1"/>
+          </p:cNvSpPr>
+          <p:nvPr>
+            <p:ph type="body" idx="1"/>
+          </p:nvPr>
+        </p:nvSpPr>
+        <p:spPr/>
+        <p:txBody>
+          <a:bodyPr/>
+          <a:lstStyle/>
+          <a:p>
+            <a:r>
+              <a:rPr lang="en-US" dirty="0" smtClean="0"/>
+              <a:t>No dependencies</a:t>
+            </a:r>
+          </a:p>
+          <a:p>
+            <a:pPr lvl="1"/>
+            <a:r>
+              <a:rPr lang="en-US" dirty="0" smtClean="0"/>
+              <a:t>Only Bootstrap.css and Angular required</a:t>
+            </a:r>
+          </a:p>
+          <a:p>
+            <a:pPr lvl="1"/>
+            <a:r>
+              <a:rPr lang="en-US" dirty="0" smtClean="0"/>
+              <a:t>No jQuery, no bootstrap.js</a:t>
+            </a:r>
+            <a:endParaRPr lang="en-US" dirty="0"/>
+          </a:p>
+        </p:txBody>
+      </p:sp>
+      <p:pic>
+        <p:nvPicPr>
+          <p:cNvPr id="4" name="Picture 3"/>
+          <p:cNvPicPr>
+            <a:picLocks noChangeAspect="1"/>
+          </p:cNvPicPr>
+          <p:nvPr/>
+        </p:nvPicPr>
+        <p:blipFill>
+          <a:blip r:embed="rId2"/>
+          <a:stretch>
+            <a:fillRect/>
+          </a:stretch>
+        </p:blipFill>
+        <p:spPr>
+          <a:xfrm>
+            <a:off x="1600200" y="4419600"/>
+            <a:ext cx="6343650" cy="1371600"/>
+          </a:xfrm>
+          <a:prstGeom prst="rect">
+            <a:avLst/>
+          </a:prstGeom>
+        </p:spPr>
+      </p:pic>
+      <p:pic>
+        <p:nvPicPr>
+          <p:cNvPr id="5" name="Picture 4"/>
+          <p:cNvPicPr>
+            <a:picLocks noChangeAspect="1"/>
+          </p:cNvPicPr>
+          <p:nvPr/>
+        </p:nvPicPr>
+        <p:blipFill>
+          <a:blip r:embed="rId3">
+            <a:extLst>
+              <a:ext uri="{BEBA8EAE-BF5A-486C-A8C5-ECC9F3942E4B}">
+                <a14:imgProps xmlns:a14="http://schemas.microsoft.com/office/drawing/2010/main">
+                  <a14:imgLayer r:embed="rId4">
+                    <a14:imgEffect>
+                      <a14:colorTemperature colorTemp="11200"/>
+                    </a14:imgEffect>
+                  </a14:imgLayer>
+                </a14:imgProps>
+              </a:ext>
+            </a:extLst>
+          </a:blip>
+          <a:stretch>
+            <a:fillRect/>
+          </a:stretch>
+        </p:blipFill>
+        <p:spPr>
+          <a:xfrm>
+            <a:off x="1128712" y="3243262"/>
+            <a:ext cx="6886575" cy="371475"/>
+          </a:xfrm>
+          <a:prstGeom prst="rect">
+            <a:avLst/>
+          </a:prstGeom>
+          <a:ln>
+            <a:noFill/>
+          </a:ln>
+          <a:effectLst>
+            <a:outerShdw blurRad="292100" dist="139700" dir="2700000" algn="tl" rotWithShape="0">
+              <a:srgbClr val="333333">
+                <a:alpha val="65000"/>
+              </a:srgbClr>
+            </a:outerShdw>
+          </a:effectLst>
+        </p:spPr>
+      </p:pic>
+    </p:spTree>
+    <p:extLst>
+      <p:ext uri="{BB962C8B-B14F-4D97-AF65-F5344CB8AC3E}">
+        <p14:creationId xmlns:p14="http://schemas.microsoft.com/office/powerpoint/2010/main" val="1599969060"/>
+      </p:ext>
+    </p:extLst>
+  </p:cSld>
+  <p:clrMapOvr>
+    <a:masterClrMapping/>
+  </p:clrMapOvr>
+  <p:transition>
+    <p:fade/>
+  </p:transition>
+</p:sld>
+</file>
+
+<file path=ppt/slides/slide9.xml><?xml version="1.0" encoding="utf-8"?>
+<p:sld xmlns:a="http://schemas.openxmlformats.org/drawingml/2006/main" xmlns:r="http://schemas.openxmlformats.org/officeDocument/2006/relationships" xmlns:p="http://schemas.openxmlformats.org/presentationml/2006/main">
+  <p:cSld>
+    <p:spTree>
+      <p:nvGrpSpPr>
+        <p:cNvPr id="1" name=""/>
+        <p:cNvGrpSpPr/>
+        <p:nvPr/>
+      </p:nvGrpSpPr>
+      <p:grpSpPr>
+        <a:xfrm>
+          <a:off x="0" y="0"/>
+          <a:ext cx="0" cy="0"/>
+          <a:chOff x="0" y="0"/>
+          <a:chExt cx="0" cy="0"/>
+        </a:xfrm>
+      </p:grpSpPr>
+      <p:sp>
+        <p:nvSpPr>
+          <p:cNvPr id="2" name="Title 1"/>
+          <p:cNvSpPr>
+            <a:spLocks noGrp="1"/>
+          </p:cNvSpPr>
+          <p:nvPr>
+            <p:ph type="title"/>
+          </p:nvPr>
+        </p:nvSpPr>
+        <p:spPr/>
+        <p:txBody>
+          <a:bodyPr/>
+          <a:lstStyle/>
+          <a:p>
+            <a:r>
+              <a:rPr lang="en-US" dirty="0" smtClean="0"/>
+              <a:t>Accordion</a:t>
+            </a:r>
+            <a:endParaRPr lang="en-US" dirty="0"/>
+          </a:p>
+        </p:txBody>
+      </p:sp>
+      <p:sp>
+        <p:nvSpPr>
+          <p:cNvPr id="3" name="Text Placeholder 2"/>
+          <p:cNvSpPr>
+            <a:spLocks noGrp="1"/>
+          </p:cNvSpPr>
+          <p:nvPr>
+            <p:ph type="body" idx="1"/>
+          </p:nvPr>
+        </p:nvSpPr>
+        <p:spPr/>
+        <p:txBody>
+          <a:bodyPr/>
+          <a:lstStyle/>
+          <a:p>
+            <a:endParaRPr lang="en-US" dirty="0" smtClean="0">
+              <a:hlinkClick r:id="rId2"/>
+            </a:endParaRPr>
+          </a:p>
+          <a:p>
+            <a:r>
+              <a:rPr lang="en-US" dirty="0" smtClean="0">
+                <a:hlinkClick r:id="rId2"/>
+              </a:rPr>
+              <a:t>http</a:t>
+            </a:r>
+            <a:r>
+              <a:rPr lang="en-US" dirty="0">
+                <a:hlinkClick r:id="rId2"/>
+              </a:rPr>
+              <a:t>://plnkr.co/edit/MHDqQ5QyrsSDVRky9HF1?p=preview</a:t>
+            </a:r>
+            <a:endParaRPr lang="en-US" dirty="0"/>
+          </a:p>
+        </p:txBody>
+      </p:sp>
+      <p:pic>
+        <p:nvPicPr>
+          <p:cNvPr id="4" name="Picture 3"/>
+          <p:cNvPicPr>
+            <a:picLocks noChangeAspect="1"/>
+          </p:cNvPicPr>
+          <p:nvPr/>
+        </p:nvPicPr>
+        <p:blipFill>
+          <a:blip r:embed="rId3">
+            <a:extLst>
+              <a:ext uri="{BEBA8EAE-BF5A-486C-A8C5-ECC9F3942E4B}">
+                <a14:imgProps xmlns:a14="http://schemas.microsoft.com/office/drawing/2010/main">
+                  <a14:imgLayer r:embed="rId4">
+                    <a14:imgEffect>
+                      <a14:colorTemperature colorTemp="11200"/>
+                    </a14:imgEffect>
+                  </a14:imgLayer>
+                </a14:imgProps>
+              </a:ext>
+            </a:extLst>
+          </a:blip>
+          <a:stretch>
+            <a:fillRect/>
+          </a:stretch>
+        </p:blipFill>
+        <p:spPr>
+          <a:xfrm>
+            <a:off x="1254619" y="2590800"/>
+            <a:ext cx="6634762" cy="3124200"/>
+          </a:xfrm>
+          <a:prstGeom prst="rect">
+            <a:avLst/>
+          </a:prstGeom>
+          <a:ln>
+            <a:noFill/>
+          </a:ln>
+          <a:effectLst>
+            <a:outerShdw blurRad="292100" dist="139700" dir="2700000" algn="tl" rotWithShape="0">
+              <a:srgbClr val="333333">
+                <a:alpha val="65000"/>
+              </a:srgbClr>
+            </a:outerShdw>
+          </a:effectLst>
+        </p:spPr>
+      </p:pic>
+    </p:spTree>
+    <p:extLst>
+      <p:ext uri="{BB962C8B-B14F-4D97-AF65-F5344CB8AC3E}">
+        <p14:creationId xmlns:p14="http://schemas.microsoft.com/office/powerpoint/2010/main" val="4032060829"/>
       </p:ext>
     </p:extLst>
   </p:cSld>

--- a/angularjs/slides/08_UI.pptx
+++ b/angularjs/slides/08_UI.pptx
@@ -275,7 +275,7 @@
               <a:pPr>
                 <a:defRPr/>
               </a:pPr>
-              <a:t>11/30/2013</a:t>
+              <a:t>12/1/2013</a:t>
             </a:fld>
             <a:endParaRPr lang="en-US"/>
           </a:p>
@@ -2461,19 +2461,11 @@
             <a:pPr defTabSz="914400" eaLnBrk="1" hangingPunct="1"/>
             <a:r>
               <a:rPr lang="en-US" dirty="0" err="1" smtClean="0"/>
-              <a:t>ng</a:t>
-            </a:r>
-            <a:r>
-              <a:rPr lang="en-US" dirty="0" err="1" smtClean="0"/>
-              <a:t>Animate</a:t>
+              <a:t>ngAnimate</a:t>
             </a:r>
             <a:r>
               <a:rPr lang="en-US" dirty="0" smtClean="0"/>
-              <a:t> </a:t>
-            </a:r>
-            <a:r>
-              <a:rPr lang="en-US" dirty="0" smtClean="0"/>
-              <a:t>+ Bootstrap</a:t>
+              <a:t> + Bootstrap</a:t>
             </a:r>
           </a:p>
         </p:txBody>

--- a/angularjs/slides/08_UI.pptx
+++ b/angularjs/slides/08_UI.pptx
@@ -5,10 +5,10 @@
     <p:sldMasterId id="2147483772" r:id="rId1"/>
   </p:sldMasterIdLst>
   <p:notesMasterIdLst>
-    <p:notesMasterId r:id="rId14"/>
+    <p:notesMasterId r:id="rId15"/>
   </p:notesMasterIdLst>
   <p:handoutMasterIdLst>
-    <p:handoutMasterId r:id="rId15"/>
+    <p:handoutMasterId r:id="rId16"/>
   </p:handoutMasterIdLst>
   <p:sldIdLst>
     <p:sldId id="327" r:id="rId2"/>
@@ -22,7 +22,8 @@
     <p:sldId id="353" r:id="rId10"/>
     <p:sldId id="354" r:id="rId11"/>
     <p:sldId id="355" r:id="rId12"/>
-    <p:sldId id="345" r:id="rId13"/>
+    <p:sldId id="356" r:id="rId13"/>
+    <p:sldId id="345" r:id="rId14"/>
   </p:sldIdLst>
   <p:sldSz cx="9144000" cy="6858000" type="screen4x3"/>
   <p:notesSz cx="7302500" cy="9588500"/>
@@ -275,7 +276,7 @@
               <a:pPr>
                 <a:defRPr/>
               </a:pPr>
-              <a:t>12/1/2013</a:t>
+              <a:t>9/27/2014</a:t>
             </a:fld>
             <a:endParaRPr lang="en-US"/>
           </a:p>
@@ -2631,6 +2632,13 @@
   <p:transition>
     <p:fade/>
   </p:transition>
+  <p:timing>
+    <p:tnLst>
+      <p:par>
+        <p:cTn id="1" dur="indefinite" restart="never" nodeType="tmRoot"/>
+      </p:par>
+    </p:tnLst>
+  </p:timing>
 </p:sld>
 </file>
 
@@ -2668,7 +2676,7 @@
           <a:p>
             <a:r>
               <a:rPr lang="en-US" dirty="0" smtClean="0"/>
-              <a:t>And More</a:t>
+              <a:t>UI Grid</a:t>
             </a:r>
             <a:endParaRPr lang="en-US" dirty="0"/>
           </a:p>
@@ -2689,238 +2697,38 @@
           <a:bodyPr/>
           <a:lstStyle/>
           <a:p>
-            <a:r>
-              <a:rPr lang="en-US" dirty="0" smtClean="0"/>
-              <a:t>Buttons </a:t>
-            </a:r>
-            <a:r>
-              <a:rPr lang="en-US" dirty="0">
-                <a:hlinkClick r:id="rId2"/>
-              </a:rPr>
-              <a:t>http://</a:t>
-            </a:r>
-            <a:r>
-              <a:rPr lang="en-US" dirty="0" smtClean="0">
-                <a:hlinkClick r:id="rId2"/>
-              </a:rPr>
-              <a:t>plnkr.co/edit/JZAIWh438XruPUSP6WxC?p=preview</a:t>
-            </a:r>
-            <a:endParaRPr lang="en-US" dirty="0" smtClean="0"/>
-          </a:p>
-          <a:p>
-            <a:r>
-              <a:rPr lang="en-US" dirty="0" smtClean="0"/>
-              <a:t>Carousel </a:t>
-            </a:r>
-            <a:r>
-              <a:rPr lang="en-US" dirty="0">
-                <a:hlinkClick r:id="rId3"/>
-              </a:rPr>
-              <a:t>http://</a:t>
-            </a:r>
-            <a:r>
-              <a:rPr lang="en-US" dirty="0" smtClean="0">
-                <a:hlinkClick r:id="rId3"/>
-              </a:rPr>
-              <a:t>plnkr.co/edit/tScdZdYzoG8ENUKiIwOA?p=preview</a:t>
-            </a:r>
-            <a:endParaRPr lang="en-US" dirty="0" smtClean="0"/>
-          </a:p>
-          <a:p>
-            <a:r>
-              <a:rPr lang="en-US" dirty="0" smtClean="0"/>
-              <a:t>Collapse </a:t>
-            </a:r>
-            <a:r>
-              <a:rPr lang="en-US" dirty="0">
-                <a:hlinkClick r:id="rId4"/>
-              </a:rPr>
-              <a:t>http://</a:t>
-            </a:r>
-            <a:r>
-              <a:rPr lang="en-US" dirty="0" smtClean="0">
-                <a:hlinkClick r:id="rId4"/>
-              </a:rPr>
-              <a:t>plnkr.co/edit/v2KrvCdWvYCtnrIMhxIC?p=preview</a:t>
-            </a:r>
-            <a:endParaRPr lang="en-US" dirty="0" smtClean="0"/>
-          </a:p>
-          <a:p>
-            <a:r>
-              <a:rPr lang="en-US" dirty="0" err="1" smtClean="0"/>
-              <a:t>DatePicker</a:t>
-            </a:r>
-            <a:r>
-              <a:rPr lang="en-US" dirty="0" smtClean="0"/>
-              <a:t> </a:t>
-            </a:r>
-            <a:r>
-              <a:rPr lang="en-US" dirty="0">
-                <a:hlinkClick r:id="rId5"/>
-              </a:rPr>
-              <a:t>http://</a:t>
-            </a:r>
-            <a:r>
-              <a:rPr lang="en-US" dirty="0" smtClean="0">
-                <a:hlinkClick r:id="rId5"/>
-              </a:rPr>
-              <a:t>plnkr.co/edit/0P3kQDcdPY9xmfKEEZjq?p=preview</a:t>
-            </a:r>
-            <a:endParaRPr lang="en-US" dirty="0" smtClean="0"/>
-          </a:p>
-          <a:p>
-            <a:r>
-              <a:rPr lang="en-US" dirty="0" err="1" smtClean="0"/>
-              <a:t>DropDown</a:t>
-            </a:r>
-            <a:r>
-              <a:rPr lang="en-US" dirty="0" smtClean="0"/>
-              <a:t> </a:t>
-            </a:r>
-            <a:r>
-              <a:rPr lang="en-US" dirty="0" smtClean="0">
-                <a:hlinkClick r:id="rId6"/>
-              </a:rPr>
-              <a:t>http</a:t>
-            </a:r>
-            <a:r>
-              <a:rPr lang="en-US" dirty="0">
-                <a:hlinkClick r:id="rId6"/>
-              </a:rPr>
-              <a:t>://</a:t>
-            </a:r>
-            <a:r>
-              <a:rPr lang="en-US" dirty="0" smtClean="0">
-                <a:hlinkClick r:id="rId6"/>
-              </a:rPr>
-              <a:t>plnkr.co/edit/GlWltk3kpAqiGq0uIQyK?p=preview</a:t>
-            </a:r>
-            <a:endParaRPr lang="en-US" dirty="0" smtClean="0"/>
-          </a:p>
-          <a:p>
-            <a:r>
-              <a:rPr lang="en-US" dirty="0" smtClean="0"/>
-              <a:t>Modal </a:t>
-            </a:r>
-            <a:r>
-              <a:rPr lang="en-US" dirty="0">
-                <a:hlinkClick r:id="rId7"/>
-              </a:rPr>
-              <a:t>http://</a:t>
-            </a:r>
-            <a:r>
-              <a:rPr lang="en-US" dirty="0" smtClean="0">
-                <a:hlinkClick r:id="rId7"/>
-              </a:rPr>
-              <a:t>plnkr.co/edit/fj1CujrdLtWzYlWasS8v?p=preview</a:t>
-            </a:r>
-            <a:endParaRPr lang="en-US" dirty="0" smtClean="0"/>
-          </a:p>
-          <a:p>
-            <a:r>
-              <a:rPr lang="en-US" dirty="0" smtClean="0"/>
-              <a:t>Pagination </a:t>
-            </a:r>
-            <a:r>
-              <a:rPr lang="en-US" dirty="0">
-                <a:hlinkClick r:id="rId8"/>
-              </a:rPr>
-              <a:t>http://</a:t>
-            </a:r>
-            <a:r>
-              <a:rPr lang="en-US" dirty="0" smtClean="0">
-                <a:hlinkClick r:id="rId8"/>
-              </a:rPr>
-              <a:t>plnkr.co/edit/4Jdg4aM5TKf0fI8fzRLD?p=preview</a:t>
-            </a:r>
-            <a:endParaRPr lang="en-US" dirty="0" smtClean="0"/>
-          </a:p>
-          <a:p>
-            <a:r>
-              <a:rPr lang="en-US" dirty="0" smtClean="0"/>
-              <a:t>Progress </a:t>
-            </a:r>
-            <a:r>
-              <a:rPr lang="en-US" dirty="0">
-                <a:hlinkClick r:id="rId9"/>
-              </a:rPr>
-              <a:t>http://</a:t>
-            </a:r>
-            <a:r>
-              <a:rPr lang="en-US" dirty="0" smtClean="0">
-                <a:hlinkClick r:id="rId9"/>
-              </a:rPr>
-              <a:t>plnkr.co/edit/MnbDZ1SC2Fy6Qs2v10R9?p=preview</a:t>
-            </a:r>
-            <a:endParaRPr lang="en-US" dirty="0" smtClean="0"/>
-          </a:p>
-          <a:p>
-            <a:r>
-              <a:rPr lang="en-US" dirty="0" smtClean="0"/>
-              <a:t>Rating </a:t>
-            </a:r>
-            <a:r>
-              <a:rPr lang="en-US" dirty="0">
-                <a:hlinkClick r:id="rId10"/>
-              </a:rPr>
-              <a:t>http://</a:t>
-            </a:r>
-            <a:r>
-              <a:rPr lang="en-US" dirty="0" smtClean="0">
-                <a:hlinkClick r:id="rId10"/>
-              </a:rPr>
-              <a:t>plnkr.co/edit/zyM5mzSvAuOq0EvArTu8?p=preview</a:t>
-            </a:r>
-            <a:endParaRPr lang="en-US" dirty="0" smtClean="0"/>
-          </a:p>
-          <a:p>
-            <a:r>
-              <a:rPr lang="en-US" dirty="0" err="1" smtClean="0"/>
-              <a:t>Timepicker</a:t>
-            </a:r>
-            <a:r>
-              <a:rPr lang="en-US" dirty="0" smtClean="0"/>
-              <a:t> </a:t>
-            </a:r>
-            <a:r>
-              <a:rPr lang="en-US" dirty="0">
-                <a:hlinkClick r:id="rId11"/>
-              </a:rPr>
-              <a:t>http://</a:t>
-            </a:r>
-            <a:r>
-              <a:rPr lang="en-US" dirty="0" smtClean="0">
-                <a:hlinkClick r:id="rId11"/>
-              </a:rPr>
-              <a:t>plnkr.co/edit/Rmj50aOHmIasisT8cSP0?p=preview</a:t>
-            </a:r>
-            <a:endParaRPr lang="en-US" dirty="0" smtClean="0"/>
-          </a:p>
-          <a:p>
-            <a:r>
-              <a:rPr lang="en-US" dirty="0" smtClean="0"/>
-              <a:t>Tabs </a:t>
-            </a:r>
-            <a:r>
-              <a:rPr lang="en-US" dirty="0">
-                <a:hlinkClick r:id="rId12"/>
-              </a:rPr>
-              <a:t>http://plnkr.co/edit/jh9KcQDrKuhRbcbf8kJb?p=preview</a:t>
-            </a:r>
-            <a:endParaRPr lang="en-US" dirty="0" smtClean="0"/>
-          </a:p>
-          <a:p>
-            <a:endParaRPr lang="en-US" dirty="0" smtClean="0"/>
-          </a:p>
-          <a:p>
-            <a:endParaRPr lang="en-US" dirty="0"/>
+            <a:endParaRPr lang="en-US"/>
           </a:p>
         </p:txBody>
       </p:sp>
+      <p:pic>
+        <p:nvPicPr>
+          <p:cNvPr id="4" name="Picture 3"/>
+          <p:cNvPicPr>
+            <a:picLocks noChangeAspect="1"/>
+          </p:cNvPicPr>
+          <p:nvPr/>
+        </p:nvPicPr>
+        <p:blipFill>
+          <a:blip r:embed="rId2"/>
+          <a:stretch>
+            <a:fillRect/>
+          </a:stretch>
+        </p:blipFill>
+        <p:spPr>
+          <a:xfrm>
+            <a:off x="1300162" y="1080715"/>
+            <a:ext cx="6543675" cy="5457825"/>
+          </a:xfrm>
+          <a:prstGeom prst="rect">
+            <a:avLst/>
+          </a:prstGeom>
+        </p:spPr>
+      </p:pic>
     </p:spTree>
     <p:extLst>
       <p:ext uri="{BB962C8B-B14F-4D97-AF65-F5344CB8AC3E}">
-        <p14:creationId xmlns:p14="http://schemas.microsoft.com/office/powerpoint/2010/main" val="1646312456"/>
+        <p14:creationId xmlns:p14="http://schemas.microsoft.com/office/powerpoint/2010/main" val="4104766315"/>
       </p:ext>
     </p:extLst>
   </p:cSld>
@@ -2930,10 +2738,123 @@
   <p:transition>
     <p:fade/>
   </p:transition>
+  <p:timing>
+    <p:tnLst>
+      <p:par>
+        <p:cTn id="1" dur="indefinite" restart="never" nodeType="tmRoot"/>
+      </p:par>
+    </p:tnLst>
+  </p:timing>
 </p:sld>
 </file>
 
 <file path=ppt/slides/slide12.xml><?xml version="1.0" encoding="utf-8"?>
+<p:sld xmlns:a="http://schemas.openxmlformats.org/drawingml/2006/main" xmlns:r="http://schemas.openxmlformats.org/officeDocument/2006/relationships" xmlns:p="http://schemas.openxmlformats.org/presentationml/2006/main">
+  <p:cSld>
+    <p:spTree>
+      <p:nvGrpSpPr>
+        <p:cNvPr id="1" name=""/>
+        <p:cNvGrpSpPr/>
+        <p:nvPr/>
+      </p:nvGrpSpPr>
+      <p:grpSpPr>
+        <a:xfrm>
+          <a:off x="0" y="0"/>
+          <a:ext cx="0" cy="0"/>
+          <a:chOff x="0" y="0"/>
+          <a:chExt cx="0" cy="0"/>
+        </a:xfrm>
+      </p:grpSpPr>
+      <p:sp>
+        <p:nvSpPr>
+          <p:cNvPr id="2" name="Title 1"/>
+          <p:cNvSpPr>
+            <a:spLocks noGrp="1"/>
+          </p:cNvSpPr>
+          <p:nvPr>
+            <p:ph type="title"/>
+          </p:nvPr>
+        </p:nvSpPr>
+        <p:spPr/>
+        <p:txBody>
+          <a:bodyPr/>
+          <a:lstStyle/>
+          <a:p>
+            <a:r>
+              <a:rPr lang="en-US" dirty="0" smtClean="0"/>
+              <a:t>Infinite Scroll</a:t>
+            </a:r>
+            <a:endParaRPr lang="en-US" dirty="0"/>
+          </a:p>
+        </p:txBody>
+      </p:sp>
+      <p:sp>
+        <p:nvSpPr>
+          <p:cNvPr id="3" name="Text Placeholder 2"/>
+          <p:cNvSpPr>
+            <a:spLocks noGrp="1"/>
+          </p:cNvSpPr>
+          <p:nvPr>
+            <p:ph type="body" idx="1"/>
+          </p:nvPr>
+        </p:nvSpPr>
+        <p:spPr/>
+        <p:txBody>
+          <a:bodyPr/>
+          <a:lstStyle/>
+          <a:p>
+            <a:endParaRPr lang="en-US"/>
+          </a:p>
+        </p:txBody>
+      </p:sp>
+      <p:pic>
+        <p:nvPicPr>
+          <p:cNvPr id="4" name="Picture 3"/>
+          <p:cNvPicPr>
+            <a:picLocks noChangeAspect="1"/>
+          </p:cNvPicPr>
+          <p:nvPr/>
+        </p:nvPicPr>
+        <p:blipFill>
+          <a:blip r:embed="rId2"/>
+          <a:stretch>
+            <a:fillRect/>
+          </a:stretch>
+        </p:blipFill>
+        <p:spPr>
+          <a:xfrm>
+            <a:off x="1433512" y="2486025"/>
+            <a:ext cx="6276975" cy="1885950"/>
+          </a:xfrm>
+          <a:prstGeom prst="rect">
+            <a:avLst/>
+          </a:prstGeom>
+        </p:spPr>
+      </p:pic>
+    </p:spTree>
+    <p:extLst>
+      <p:ext uri="{BB962C8B-B14F-4D97-AF65-F5344CB8AC3E}">
+        <p14:creationId xmlns:p14="http://schemas.microsoft.com/office/powerpoint/2010/main" val="2059934144"/>
+      </p:ext>
+    </p:extLst>
+  </p:cSld>
+  <p:clrMapOvr>
+    <a:masterClrMapping/>
+  </p:clrMapOvr>
+  <p:transition>
+    <p:fade/>
+  </p:transition>
+  <p:timing>
+    <p:tnLst>
+      <p:par>
+        <p:cTn id="1" dur="indefinite" restart="never" nodeType="tmRoot"/>
+      </p:par>
+    </p:tnLst>
+  </p:timing>
+</p:sld>
+</file>
+
+<file path=ppt/slides/slide13.xml><?xml version="1.0" encoding="utf-8"?>
 <p:sld xmlns:a="http://schemas.openxmlformats.org/drawingml/2006/main" xmlns:r="http://schemas.openxmlformats.org/officeDocument/2006/relationships" xmlns:p="http://schemas.openxmlformats.org/presentationml/2006/main">
   <p:cSld>
     <p:spTree>
@@ -3100,6 +3021,13 @@
   <p:transition>
     <p:fade/>
   </p:transition>
+  <p:timing>
+    <p:tnLst>
+      <p:par>
+        <p:cTn id="1" dur="indefinite" restart="never" nodeType="tmRoot"/>
+      </p:par>
+    </p:tnLst>
+  </p:timing>
 </p:sld>
 </file>
 
@@ -3252,6 +3180,13 @@
   <p:transition>
     <p:fade/>
   </p:transition>
+  <p:timing>
+    <p:tnLst>
+      <p:par>
+        <p:cTn id="1" dur="indefinite" restart="never" nodeType="tmRoot"/>
+      </p:par>
+    </p:tnLst>
+  </p:timing>
 </p:sld>
 </file>
 
@@ -3672,6 +3607,13 @@
   <p:transition>
     <p:fade/>
   </p:transition>
+  <p:timing>
+    <p:tnLst>
+      <p:par>
+        <p:cTn id="1" dur="indefinite" restart="never" nodeType="tmRoot"/>
+      </p:par>
+    </p:tnLst>
+  </p:timing>
 </p:sld>
 </file>
 
@@ -3811,6 +3753,13 @@
   <p:transition>
     <p:fade/>
   </p:transition>
+  <p:timing>
+    <p:tnLst>
+      <p:par>
+        <p:cTn id="1" dur="indefinite" restart="never" nodeType="tmRoot"/>
+      </p:par>
+    </p:tnLst>
+  </p:timing>
 </p:sld>
 </file>
 
@@ -3970,6 +3919,13 @@
   <p:transition>
     <p:fade/>
   </p:transition>
+  <p:timing>
+    <p:tnLst>
+      <p:par>
+        <p:cTn id="1" dur="indefinite" restart="never" nodeType="tmRoot"/>
+      </p:par>
+    </p:tnLst>
+  </p:timing>
 </p:sld>
 </file>
 
@@ -4095,6 +4051,13 @@
   <p:transition>
     <p:fade/>
   </p:transition>
+  <p:timing>
+    <p:tnLst>
+      <p:par>
+        <p:cTn id="1" dur="indefinite" restart="never" nodeType="tmRoot"/>
+      </p:par>
+    </p:tnLst>
+  </p:timing>
 </p:sld>
 </file>
 
@@ -4250,6 +4213,13 @@
   <p:transition>
     <p:fade/>
   </p:transition>
+  <p:timing>
+    <p:tnLst>
+      <p:par>
+        <p:cTn id="1" dur="indefinite" restart="never" nodeType="tmRoot"/>
+      </p:par>
+    </p:tnLst>
+  </p:timing>
 </p:sld>
 </file>
 
@@ -4413,6 +4383,13 @@
   <p:transition>
     <p:fade/>
   </p:transition>
+  <p:timing>
+    <p:tnLst>
+      <p:par>
+        <p:cTn id="1" dur="indefinite" restart="never" nodeType="tmRoot"/>
+      </p:par>
+    </p:tnLst>
+  </p:timing>
 </p:sld>
 </file>
 
@@ -4551,6 +4528,13 @@
   <p:transition>
     <p:fade/>
   </p:transition>
+  <p:timing>
+    <p:tnLst>
+      <p:par>
+        <p:cTn id="1" dur="indefinite" restart="never" nodeType="tmRoot"/>
+      </p:par>
+    </p:tnLst>
+  </p:timing>
 </p:sld>
 </file>
 
